--- a/Eclipse.pptx
+++ b/Eclipse.pptx
@@ -5492,7 +5492,7 @@
                   <a:schemeClr val="bg1"/>
                 </a:solidFill>
               </a:rPr>
-              <a:t>By: </a:t>
+              <a:t>By: Dartanian </a:t>
             </a:r>
             <a:r>
               <a:rPr lang="en-US" sz="2000" b="1">
@@ -5500,16 +5500,22 @@
                   <a:schemeClr val="bg1"/>
                 </a:solidFill>
               </a:rPr>
-              <a:t>Dartanian Pagel - </a:t>
-            </a:r>
-            <a:r>
-              <a:rPr lang="en-US" sz="2000" b="1" dirty="0">
+              <a:t>Pagel - </a:t>
+            </a:r>
+            <a:r>
+              <a:rPr lang="en-US" sz="2000" b="1">
                 <a:solidFill>
                   <a:schemeClr val="bg1"/>
                 </a:solidFill>
+                <a:hlinkClick r:id="rId4"/>
               </a:rPr>
               <a:t>https://github.com/ksu-is/Eclipse_Roguelike</a:t>
             </a:r>
+            <a:endParaRPr lang="en-US" sz="2000" b="1" dirty="0">
+              <a:solidFill>
+                <a:schemeClr val="bg1"/>
+              </a:solidFill>
+            </a:endParaRPr>
           </a:p>
         </p:txBody>
       </p:sp>
